--- a/OfficeAddin/05 Using modern JavaScript/02 Build an Office Add-in using Angular.pptx
+++ b/OfficeAddin/05 Using modern JavaScript/02 Build an Office Add-in using Angular.pptx
@@ -267,7 +267,7 @@
               <a:rPr lang="en-US" smtClean="0">
                 <a:latin typeface="Segoe UI" pitchFamily="34" charset="0"/>
               </a:rPr>
-              <a:t>10/30/2017 1:38 PM</a:t>
+              <a:t>9/17/18 8:54 PM</a:t>
             </a:fld>
             <a:endParaRPr lang="en-US" dirty="0">
               <a:latin typeface="Segoe UI" pitchFamily="34" charset="0"/>
@@ -561,7 +561,7 @@
           <a:p>
             <a:fld id="{D18B56EA-E28F-4F92-9F16-7A6F2501B303}" type="datetime8">
               <a:rPr lang="en-US" smtClean="0"/>
-              <a:t>10/30/2017 1:38 PM</a:t>
+              <a:t>9/17/18 8:54 PM</a:t>
             </a:fld>
             <a:endParaRPr lang="en-US" dirty="0"/>
           </a:p>
@@ -1049,7 +1049,7 @@
                 <a:tabLst/>
                 <a:defRPr/>
               </a:pPr>
-              <a:t>10/30/2017 1:42 PM</a:t>
+              <a:t>9/17/18 8:54 PM</a:t>
             </a:fld>
             <a:endParaRPr kumimoji="0" lang="en-US" sz="1200" b="0" i="0" u="none" strike="noStrike" kern="1200" cap="none" spc="0" normalizeH="0" baseline="0" noProof="0" dirty="0">
               <a:ln>
@@ -2071,7 +2071,7 @@
           <a:p>
             <a:fld id="{D18B56EA-E28F-4F92-9F16-7A6F2501B303}" type="datetime8">
               <a:rPr lang="en-US" smtClean="0"/>
-              <a:t>10/30/2017 1:38 PM</a:t>
+              <a:t>9/17/18 8:54 PM</a:t>
             </a:fld>
             <a:endParaRPr lang="en-US" dirty="0"/>
           </a:p>
@@ -2252,7 +2252,7 @@
           <a:p>
             <a:fld id="{D18B56EA-E28F-4F92-9F16-7A6F2501B303}" type="datetime8">
               <a:rPr lang="en-US" smtClean="0"/>
-              <a:t>10/30/2017 1:38 PM</a:t>
+              <a:t>9/17/18 8:54 PM</a:t>
             </a:fld>
             <a:endParaRPr lang="en-US" dirty="0"/>
           </a:p>
@@ -2433,7 +2433,7 @@
           <a:p>
             <a:fld id="{D18B56EA-E28F-4F92-9F16-7A6F2501B303}" type="datetime8">
               <a:rPr lang="en-US" smtClean="0"/>
-              <a:t>10/30/2017 1:38 PM</a:t>
+              <a:t>9/17/18 8:54 PM</a:t>
             </a:fld>
             <a:endParaRPr lang="en-US" dirty="0"/>
           </a:p>
@@ -2614,7 +2614,7 @@
           <a:p>
             <a:fld id="{D18B56EA-E28F-4F92-9F16-7A6F2501B303}" type="datetime8">
               <a:rPr lang="en-US" smtClean="0"/>
-              <a:t>10/30/2017 1:38 PM</a:t>
+              <a:t>9/17/18 8:54 PM</a:t>
             </a:fld>
             <a:endParaRPr lang="en-US" dirty="0"/>
           </a:p>
@@ -2900,7 +2900,7 @@
                 <a:tabLst/>
                 <a:defRPr/>
               </a:pPr>
-              <a:t>10/30/2017 1:38 PM</a:t>
+              <a:t>9/17/18 8:54 PM</a:t>
             </a:fld>
             <a:endParaRPr kumimoji="0" lang="en-US" sz="1200" b="0" i="0" u="none" strike="noStrike" kern="1200" cap="none" spc="0" normalizeH="0" baseline="0" noProof="0" dirty="0">
               <a:ln>
@@ -3169,7 +3169,7 @@
           <a:p>
             <a:fld id="{D18B56EA-E28F-4F92-9F16-7A6F2501B303}" type="datetime8">
               <a:rPr lang="en-US" smtClean="0"/>
-              <a:t>10/30/2017 1:38 PM</a:t>
+              <a:t>9/17/18 8:54 PM</a:t>
             </a:fld>
             <a:endParaRPr lang="en-US" dirty="0"/>
           </a:p>
@@ -3374,7 +3374,7 @@
           <a:p>
             <a:fld id="{D18B56EA-E28F-4F92-9F16-7A6F2501B303}" type="datetime8">
               <a:rPr lang="en-US" smtClean="0"/>
-              <a:t>10/30/2017 1:38 PM</a:t>
+              <a:t>9/17/18 8:54 PM</a:t>
             </a:fld>
             <a:endParaRPr lang="en-US" dirty="0"/>
           </a:p>
@@ -3642,7 +3642,7 @@
           <a:p>
             <a:fld id="{D18B56EA-E28F-4F92-9F16-7A6F2501B303}" type="datetime8">
               <a:rPr lang="en-US" smtClean="0"/>
-              <a:t>10/30/2017 1:38 PM</a:t>
+              <a:t>9/17/18 8:54 PM</a:t>
             </a:fld>
             <a:endParaRPr lang="en-US" dirty="0"/>
           </a:p>
@@ -3752,7 +3752,7 @@
           <a:p>
             <a:r>
               <a:rPr lang="en-US" baseline="0" dirty="0"/>
-              <a:t>For a new application, it is advised that you use the Angular CLI to provision the template as this simplifies a lot of moving parts. After the Angular CLI completes, you can run the Office Yeoman generator for provision an add-in xml manifest for the project. You will need to convert the project to run on SSL (an easy update to the start script in </a:t>
+              <a:t>For a new application, you can use the Office Yeoman generator template for Angular OR the Angular CLI to provision the template. After the Angular CLI completes, you can run the Office Yeoman generator for provision an add-in xml manifest for the project. You will need to convert the project to run on SSL (an easy update to the start script in </a:t>
             </a:r>
             <a:r>
               <a:rPr lang="en-US" baseline="0" dirty="0" err="1"/>
@@ -3865,7 +3865,7 @@
           <a:p>
             <a:fld id="{D18B56EA-E28F-4F92-9F16-7A6F2501B303}" type="datetime8">
               <a:rPr lang="en-US" smtClean="0"/>
-              <a:t>10/30/2017 1:38 PM</a:t>
+              <a:t>9/17/18 8:54 PM</a:t>
             </a:fld>
             <a:endParaRPr lang="en-US" dirty="0"/>
           </a:p>
@@ -4098,7 +4098,7 @@
           <a:p>
             <a:fld id="{D18B56EA-E28F-4F92-9F16-7A6F2501B303}" type="datetime8">
               <a:rPr lang="en-US" smtClean="0"/>
-              <a:t>10/30/2017 1:38 PM</a:t>
+              <a:t>9/17/18 8:54 PM</a:t>
             </a:fld>
             <a:endParaRPr lang="en-US" dirty="0"/>
           </a:p>
@@ -4295,7 +4295,7 @@
           <a:p>
             <a:fld id="{D18B56EA-E28F-4F92-9F16-7A6F2501B303}" type="datetime8">
               <a:rPr lang="en-US" smtClean="0"/>
-              <a:t>10/30/2017 1:38 PM</a:t>
+              <a:t>9/17/18 8:54 PM</a:t>
             </a:fld>
             <a:endParaRPr lang="en-US" dirty="0"/>
           </a:p>
@@ -4496,7 +4496,7 @@
           <a:p>
             <a:fld id="{D18B56EA-E28F-4F92-9F16-7A6F2501B303}" type="datetime8">
               <a:rPr lang="en-US" smtClean="0"/>
-              <a:t>10/30/2017 1:38 PM</a:t>
+              <a:t>9/17/18 8:54 PM</a:t>
             </a:fld>
             <a:endParaRPr lang="en-US" dirty="0"/>
           </a:p>
@@ -17306,13 +17306,13 @@
   <p:clrMapOvr>
     <a:masterClrMapping/>
   </p:clrMapOvr>
-  <mc:AlternateContent xmlns:mc="http://schemas.openxmlformats.org/markup-compatibility/2006">
-    <mc:Choice xmlns:p159="http://schemas.microsoft.com/office/powerpoint/2015/09/main" Requires="p159">
+  <mc:AlternateContent xmlns:mc="http://schemas.openxmlformats.org/markup-compatibility/2006" xmlns:p159="http://schemas.microsoft.com/office/powerpoint/2015/09/main">
+    <mc:Choice Requires="p159">
       <p:transition xmlns:p14="http://schemas.microsoft.com/office/powerpoint/2010/main" spd="slow" p14:dur="2000">
         <p159:morph option="byWord"/>
       </p:transition>
     </mc:Choice>
-    <mc:Fallback>
+    <mc:Fallback xmlns="">
       <p:transition spd="slow">
         <p:fade/>
       </p:transition>
@@ -20148,7 +20148,7 @@
         <p:spPr>
           <a:xfrm>
             <a:off x="465138" y="1813220"/>
-            <a:ext cx="5095403" cy="4302716"/>
+            <a:ext cx="5095403" cy="4456605"/>
           </a:xfrm>
         </p:spPr>
         <p:txBody>
@@ -20168,6 +20168,20 @@
                 <a:latin typeface="+mj-lt"/>
               </a:rPr>
               <a:t>New projects</a:t>
+            </a:r>
+          </a:p>
+          <a:p>
+            <a:pPr lvl="1">
+              <a:lnSpc>
+                <a:spcPct val="90000"/>
+              </a:lnSpc>
+              <a:spcBef>
+                <a:spcPts val="1200"/>
+              </a:spcBef>
+            </a:pPr>
+            <a:r>
+              <a:rPr lang="en-US" sz="1600" dirty="0"/>
+              <a:t>Use the Office Yeoman generator Angular template OR…</a:t>
             </a:r>
           </a:p>
           <a:p>

--- a/OfficeAddin/05 Using modern JavaScript/02 Build an Office Add-in using Angular.pptx
+++ b/OfficeAddin/05 Using modern JavaScript/02 Build an Office Add-in using Angular.pptx
@@ -267,7 +267,7 @@
               <a:rPr lang="en-US" smtClean="0">
                 <a:latin typeface="Segoe UI" pitchFamily="34" charset="0"/>
               </a:rPr>
-              <a:t>9/17/18 8:54 PM</a:t>
+              <a:t>12/12/18 2:15 PM</a:t>
             </a:fld>
             <a:endParaRPr lang="en-US" dirty="0">
               <a:latin typeface="Segoe UI" pitchFamily="34" charset="0"/>
@@ -561,7 +561,7 @@
           <a:p>
             <a:fld id="{D18B56EA-E28F-4F92-9F16-7A6F2501B303}" type="datetime8">
               <a:rPr lang="en-US" smtClean="0"/>
-              <a:t>9/17/18 8:54 PM</a:t>
+              <a:t>12/12/18 2:15 PM</a:t>
             </a:fld>
             <a:endParaRPr lang="en-US" dirty="0"/>
           </a:p>
@@ -1049,7 +1049,7 @@
                 <a:tabLst/>
                 <a:defRPr/>
               </a:pPr>
-              <a:t>9/17/18 8:54 PM</a:t>
+              <a:t>12/12/18 2:15 PM</a:t>
             </a:fld>
             <a:endParaRPr kumimoji="0" lang="en-US" sz="1200" b="0" i="0" u="none" strike="noStrike" kern="1200" cap="none" spc="0" normalizeH="0" baseline="0" noProof="0" dirty="0">
               <a:ln>
@@ -2071,7 +2071,7 @@
           <a:p>
             <a:fld id="{D18B56EA-E28F-4F92-9F16-7A6F2501B303}" type="datetime8">
               <a:rPr lang="en-US" smtClean="0"/>
-              <a:t>9/17/18 8:54 PM</a:t>
+              <a:t>12/12/18 2:15 PM</a:t>
             </a:fld>
             <a:endParaRPr lang="en-US" dirty="0"/>
           </a:p>
@@ -2252,7 +2252,7 @@
           <a:p>
             <a:fld id="{D18B56EA-E28F-4F92-9F16-7A6F2501B303}" type="datetime8">
               <a:rPr lang="en-US" smtClean="0"/>
-              <a:t>9/17/18 8:54 PM</a:t>
+              <a:t>12/12/18 2:15 PM</a:t>
             </a:fld>
             <a:endParaRPr lang="en-US" dirty="0"/>
           </a:p>
@@ -2433,7 +2433,7 @@
           <a:p>
             <a:fld id="{D18B56EA-E28F-4F92-9F16-7A6F2501B303}" type="datetime8">
               <a:rPr lang="en-US" smtClean="0"/>
-              <a:t>9/17/18 8:54 PM</a:t>
+              <a:t>12/12/18 2:15 PM</a:t>
             </a:fld>
             <a:endParaRPr lang="en-US" dirty="0"/>
           </a:p>
@@ -2614,7 +2614,7 @@
           <a:p>
             <a:fld id="{D18B56EA-E28F-4F92-9F16-7A6F2501B303}" type="datetime8">
               <a:rPr lang="en-US" smtClean="0"/>
-              <a:t>9/17/18 8:54 PM</a:t>
+              <a:t>12/12/18 2:15 PM</a:t>
             </a:fld>
             <a:endParaRPr lang="en-US" dirty="0"/>
           </a:p>
@@ -2900,7 +2900,7 @@
                 <a:tabLst/>
                 <a:defRPr/>
               </a:pPr>
-              <a:t>9/17/18 8:54 PM</a:t>
+              <a:t>12/12/18 2:15 PM</a:t>
             </a:fld>
             <a:endParaRPr kumimoji="0" lang="en-US" sz="1200" b="0" i="0" u="none" strike="noStrike" kern="1200" cap="none" spc="0" normalizeH="0" baseline="0" noProof="0" dirty="0">
               <a:ln>
@@ -3169,7 +3169,7 @@
           <a:p>
             <a:fld id="{D18B56EA-E28F-4F92-9F16-7A6F2501B303}" type="datetime8">
               <a:rPr lang="en-US" smtClean="0"/>
-              <a:t>9/17/18 8:54 PM</a:t>
+              <a:t>12/12/18 2:15 PM</a:t>
             </a:fld>
             <a:endParaRPr lang="en-US" dirty="0"/>
           </a:p>
@@ -3374,7 +3374,7 @@
           <a:p>
             <a:fld id="{D18B56EA-E28F-4F92-9F16-7A6F2501B303}" type="datetime8">
               <a:rPr lang="en-US" smtClean="0"/>
-              <a:t>9/17/18 8:54 PM</a:t>
+              <a:t>12/12/18 2:15 PM</a:t>
             </a:fld>
             <a:endParaRPr lang="en-US" dirty="0"/>
           </a:p>
@@ -3642,7 +3642,7 @@
           <a:p>
             <a:fld id="{D18B56EA-E28F-4F92-9F16-7A6F2501B303}" type="datetime8">
               <a:rPr lang="en-US" smtClean="0"/>
-              <a:t>9/17/18 8:54 PM</a:t>
+              <a:t>12/12/18 2:15 PM</a:t>
             </a:fld>
             <a:endParaRPr lang="en-US" dirty="0"/>
           </a:p>
@@ -3865,7 +3865,7 @@
           <a:p>
             <a:fld id="{D18B56EA-E28F-4F92-9F16-7A6F2501B303}" type="datetime8">
               <a:rPr lang="en-US" smtClean="0"/>
-              <a:t>9/17/18 8:54 PM</a:t>
+              <a:t>12/12/18 2:15 PM</a:t>
             </a:fld>
             <a:endParaRPr lang="en-US" dirty="0"/>
           </a:p>
@@ -4098,7 +4098,7 @@
           <a:p>
             <a:fld id="{D18B56EA-E28F-4F92-9F16-7A6F2501B303}" type="datetime8">
               <a:rPr lang="en-US" smtClean="0"/>
-              <a:t>9/17/18 8:54 PM</a:t>
+              <a:t>12/12/18 2:15 PM</a:t>
             </a:fld>
             <a:endParaRPr lang="en-US" dirty="0"/>
           </a:p>
@@ -4295,7 +4295,7 @@
           <a:p>
             <a:fld id="{D18B56EA-E28F-4F92-9F16-7A6F2501B303}" type="datetime8">
               <a:rPr lang="en-US" smtClean="0"/>
-              <a:t>9/17/18 8:54 PM</a:t>
+              <a:t>12/12/18 2:15 PM</a:t>
             </a:fld>
             <a:endParaRPr lang="en-US" dirty="0"/>
           </a:p>
@@ -4496,7 +4496,7 @@
           <a:p>
             <a:fld id="{D18B56EA-E28F-4F92-9F16-7A6F2501B303}" type="datetime8">
               <a:rPr lang="en-US" smtClean="0"/>
-              <a:t>9/17/18 8:54 PM</a:t>
+              <a:t>12/12/18 2:15 PM</a:t>
             </a:fld>
             <a:endParaRPr lang="en-US" dirty="0"/>
           </a:p>
@@ -20148,7 +20148,7 @@
         <p:spPr>
           <a:xfrm>
             <a:off x="465138" y="1813220"/>
-            <a:ext cx="5095403" cy="4456605"/>
+            <a:ext cx="5095403" cy="5053691"/>
           </a:xfrm>
         </p:spPr>
         <p:txBody>
@@ -20181,7 +20181,7 @@
             </a:pPr>
             <a:r>
               <a:rPr lang="en-US" sz="1600" dirty="0"/>
-              <a:t>Use the Office Yeoman generator Angular template OR…</a:t>
+              <a:t>Use the Office Yeoman generator Angular template</a:t>
             </a:r>
           </a:p>
           <a:p>
@@ -20189,6 +20189,17 @@
               <a:lnSpc>
                 <a:spcPct val="90000"/>
               </a:lnSpc>
+              <a:spcBef>
+                <a:spcPts val="1200"/>
+              </a:spcBef>
+            </a:pPr>
+            <a:r>
+              <a:rPr lang="en-US" sz="1600" dirty="0"/>
+              <a:t>Alternatively if you want more control of structure:</a:t>
+            </a:r>
+          </a:p>
+          <a:p>
+            <a:pPr lvl="2">
               <a:spcBef>
                 <a:spcPts val="1200"/>
               </a:spcBef>
@@ -20206,10 +20217,7 @@
             </a:r>
           </a:p>
           <a:p>
-            <a:pPr lvl="1">
-              <a:lnSpc>
-                <a:spcPct val="90000"/>
-              </a:lnSpc>
+            <a:pPr lvl="2">
               <a:spcBef>
                 <a:spcPts val="1200"/>
               </a:spcBef>
@@ -20227,10 +20235,7 @@
             </a:r>
           </a:p>
           <a:p>
-            <a:pPr lvl="1">
-              <a:lnSpc>
-                <a:spcPct val="90000"/>
-              </a:lnSpc>
+            <a:pPr lvl="2">
               <a:spcBef>
                 <a:spcPts val="1200"/>
               </a:spcBef>
@@ -20254,10 +20259,7 @@
             <a:endParaRPr lang="en-US" sz="1600" dirty="0"/>
           </a:p>
           <a:p>
-            <a:pPr lvl="1">
-              <a:lnSpc>
-                <a:spcPct val="90000"/>
-              </a:lnSpc>
+            <a:pPr lvl="2">
               <a:spcBef>
                 <a:spcPts val="1200"/>
               </a:spcBef>
@@ -20276,10 +20278,7 @@
             </a:r>
           </a:p>
           <a:p>
-            <a:pPr lvl="1">
-              <a:lnSpc>
-                <a:spcPct val="90000"/>
-              </a:lnSpc>
+            <a:pPr lvl="2">
               <a:spcBef>
                 <a:spcPts val="1200"/>
               </a:spcBef>
@@ -20303,10 +20302,7 @@
             <a:endParaRPr lang="en-US" sz="1600" dirty="0"/>
           </a:p>
           <a:p>
-            <a:pPr lvl="1">
-              <a:lnSpc>
-                <a:spcPct val="90000"/>
-              </a:lnSpc>
+            <a:pPr lvl="2">
               <a:spcBef>
                 <a:spcPts val="1200"/>
               </a:spcBef>
@@ -20323,6 +20319,7 @@
               <a:rPr lang="en-US" sz="1600" dirty="0"/>
               <a:t> config)</a:t>
             </a:r>
+            <a:endParaRPr lang="en-US" sz="2600" dirty="0"/>
           </a:p>
         </p:txBody>
       </p:sp>

--- a/OfficeAddin/05 Using modern JavaScript/02 Build an Office Add-in using Angular.pptx
+++ b/OfficeAddin/05 Using modern JavaScript/02 Build an Office Add-in using Angular.pptx
@@ -267,7 +267,7 @@
               <a:rPr lang="en-US" smtClean="0">
                 <a:latin typeface="Segoe UI" pitchFamily="34" charset="0"/>
               </a:rPr>
-              <a:t>12/12/18 2:15 PM</a:t>
+              <a:t>3/4/19 8:32 PM</a:t>
             </a:fld>
             <a:endParaRPr lang="en-US" dirty="0">
               <a:latin typeface="Segoe UI" pitchFamily="34" charset="0"/>
@@ -561,7 +561,7 @@
           <a:p>
             <a:fld id="{D18B56EA-E28F-4F92-9F16-7A6F2501B303}" type="datetime8">
               <a:rPr lang="en-US" smtClean="0"/>
-              <a:t>12/12/18 2:15 PM</a:t>
+              <a:t>3/4/19 8:32 PM</a:t>
             </a:fld>
             <a:endParaRPr lang="en-US" dirty="0"/>
           </a:p>
@@ -1049,7 +1049,7 @@
                 <a:tabLst/>
                 <a:defRPr/>
               </a:pPr>
-              <a:t>12/12/18 2:15 PM</a:t>
+              <a:t>3/4/19 8:32 PM</a:t>
             </a:fld>
             <a:endParaRPr kumimoji="0" lang="en-US" sz="1200" b="0" i="0" u="none" strike="noStrike" kern="1200" cap="none" spc="0" normalizeH="0" baseline="0" noProof="0" dirty="0">
               <a:ln>
@@ -2071,7 +2071,7 @@
           <a:p>
             <a:fld id="{D18B56EA-E28F-4F92-9F16-7A6F2501B303}" type="datetime8">
               <a:rPr lang="en-US" smtClean="0"/>
-              <a:t>12/12/18 2:15 PM</a:t>
+              <a:t>3/4/19 8:32 PM</a:t>
             </a:fld>
             <a:endParaRPr lang="en-US" dirty="0"/>
           </a:p>
@@ -2252,7 +2252,7 @@
           <a:p>
             <a:fld id="{D18B56EA-E28F-4F92-9F16-7A6F2501B303}" type="datetime8">
               <a:rPr lang="en-US" smtClean="0"/>
-              <a:t>12/12/18 2:15 PM</a:t>
+              <a:t>3/4/19 8:32 PM</a:t>
             </a:fld>
             <a:endParaRPr lang="en-US" dirty="0"/>
           </a:p>
@@ -2433,7 +2433,7 @@
           <a:p>
             <a:fld id="{D18B56EA-E28F-4F92-9F16-7A6F2501B303}" type="datetime8">
               <a:rPr lang="en-US" smtClean="0"/>
-              <a:t>12/12/18 2:15 PM</a:t>
+              <a:t>3/4/19 8:32 PM</a:t>
             </a:fld>
             <a:endParaRPr lang="en-US" dirty="0"/>
           </a:p>
@@ -2614,7 +2614,7 @@
           <a:p>
             <a:fld id="{D18B56EA-E28F-4F92-9F16-7A6F2501B303}" type="datetime8">
               <a:rPr lang="en-US" smtClean="0"/>
-              <a:t>12/12/18 2:15 PM</a:t>
+              <a:t>3/4/19 8:32 PM</a:t>
             </a:fld>
             <a:endParaRPr lang="en-US" dirty="0"/>
           </a:p>
@@ -2900,7 +2900,7 @@
                 <a:tabLst/>
                 <a:defRPr/>
               </a:pPr>
-              <a:t>12/12/18 2:15 PM</a:t>
+              <a:t>3/4/19 8:32 PM</a:t>
             </a:fld>
             <a:endParaRPr kumimoji="0" lang="en-US" sz="1200" b="0" i="0" u="none" strike="noStrike" kern="1200" cap="none" spc="0" normalizeH="0" baseline="0" noProof="0" dirty="0">
               <a:ln>
@@ -3169,7 +3169,7 @@
           <a:p>
             <a:fld id="{D18B56EA-E28F-4F92-9F16-7A6F2501B303}" type="datetime8">
               <a:rPr lang="en-US" smtClean="0"/>
-              <a:t>12/12/18 2:15 PM</a:t>
+              <a:t>3/4/19 8:32 PM</a:t>
             </a:fld>
             <a:endParaRPr lang="en-US" dirty="0"/>
           </a:p>
@@ -3374,7 +3374,7 @@
           <a:p>
             <a:fld id="{D18B56EA-E28F-4F92-9F16-7A6F2501B303}" type="datetime8">
               <a:rPr lang="en-US" smtClean="0"/>
-              <a:t>12/12/18 2:15 PM</a:t>
+              <a:t>3/4/19 8:32 PM</a:t>
             </a:fld>
             <a:endParaRPr lang="en-US" dirty="0"/>
           </a:p>
@@ -3642,7 +3642,7 @@
           <a:p>
             <a:fld id="{D18B56EA-E28F-4F92-9F16-7A6F2501B303}" type="datetime8">
               <a:rPr lang="en-US" smtClean="0"/>
-              <a:t>12/12/18 2:15 PM</a:t>
+              <a:t>3/4/19 8:32 PM</a:t>
             </a:fld>
             <a:endParaRPr lang="en-US" dirty="0"/>
           </a:p>
@@ -3865,7 +3865,7 @@
           <a:p>
             <a:fld id="{D18B56EA-E28F-4F92-9F16-7A6F2501B303}" type="datetime8">
               <a:rPr lang="en-US" smtClean="0"/>
-              <a:t>12/12/18 2:15 PM</a:t>
+              <a:t>3/4/19 8:32 PM</a:t>
             </a:fld>
             <a:endParaRPr lang="en-US" dirty="0"/>
           </a:p>
@@ -4098,7 +4098,7 @@
           <a:p>
             <a:fld id="{D18B56EA-E28F-4F92-9F16-7A6F2501B303}" type="datetime8">
               <a:rPr lang="en-US" smtClean="0"/>
-              <a:t>12/12/18 2:15 PM</a:t>
+              <a:t>3/4/19 8:32 PM</a:t>
             </a:fld>
             <a:endParaRPr lang="en-US" dirty="0"/>
           </a:p>
@@ -4295,7 +4295,7 @@
           <a:p>
             <a:fld id="{D18B56EA-E28F-4F92-9F16-7A6F2501B303}" type="datetime8">
               <a:rPr lang="en-US" smtClean="0"/>
-              <a:t>12/12/18 2:15 PM</a:t>
+              <a:t>3/4/19 8:32 PM</a:t>
             </a:fld>
             <a:endParaRPr lang="en-US" dirty="0"/>
           </a:p>
@@ -4496,7 +4496,7 @@
           <a:p>
             <a:fld id="{D18B56EA-E28F-4F92-9F16-7A6F2501B303}" type="datetime8">
               <a:rPr lang="en-US" smtClean="0"/>
-              <a:t>12/12/18 2:15 PM</a:t>
+              <a:t>3/4/19 8:32 PM</a:t>
             </a:fld>
             <a:endParaRPr lang="en-US" dirty="0"/>
           </a:p>

--- a/OfficeAddin/05 Using modern JavaScript/02 Build an Office Add-in using Angular.pptx
+++ b/OfficeAddin/05 Using modern JavaScript/02 Build an Office Add-in using Angular.pptx
@@ -267,7 +267,7 @@
               <a:rPr lang="en-US" smtClean="0">
                 <a:latin typeface="Segoe UI" pitchFamily="34" charset="0"/>
               </a:rPr>
-              <a:t>3/4/19 8:32 PM</a:t>
+              <a:t>6/5/19 4:29 PM</a:t>
             </a:fld>
             <a:endParaRPr lang="en-US" dirty="0">
               <a:latin typeface="Segoe UI" pitchFamily="34" charset="0"/>
@@ -561,7 +561,7 @@
           <a:p>
             <a:fld id="{D18B56EA-E28F-4F92-9F16-7A6F2501B303}" type="datetime8">
               <a:rPr lang="en-US" smtClean="0"/>
-              <a:t>3/4/19 8:32 PM</a:t>
+              <a:t>6/5/19 4:29 PM</a:t>
             </a:fld>
             <a:endParaRPr lang="en-US" dirty="0"/>
           </a:p>
@@ -1049,7 +1049,7 @@
                 <a:tabLst/>
                 <a:defRPr/>
               </a:pPr>
-              <a:t>3/4/19 8:32 PM</a:t>
+              <a:t>6/5/19 4:29 PM</a:t>
             </a:fld>
             <a:endParaRPr kumimoji="0" lang="en-US" sz="1200" b="0" i="0" u="none" strike="noStrike" kern="1200" cap="none" spc="0" normalizeH="0" baseline="0" noProof="0" dirty="0">
               <a:ln>
@@ -2071,7 +2071,7 @@
           <a:p>
             <a:fld id="{D18B56EA-E28F-4F92-9F16-7A6F2501B303}" type="datetime8">
               <a:rPr lang="en-US" smtClean="0"/>
-              <a:t>3/4/19 8:32 PM</a:t>
+              <a:t>6/5/19 4:29 PM</a:t>
             </a:fld>
             <a:endParaRPr lang="en-US" dirty="0"/>
           </a:p>
@@ -2252,7 +2252,7 @@
           <a:p>
             <a:fld id="{D18B56EA-E28F-4F92-9F16-7A6F2501B303}" type="datetime8">
               <a:rPr lang="en-US" smtClean="0"/>
-              <a:t>3/4/19 8:32 PM</a:t>
+              <a:t>6/5/19 4:29 PM</a:t>
             </a:fld>
             <a:endParaRPr lang="en-US" dirty="0"/>
           </a:p>
@@ -2433,7 +2433,7 @@
           <a:p>
             <a:fld id="{D18B56EA-E28F-4F92-9F16-7A6F2501B303}" type="datetime8">
               <a:rPr lang="en-US" smtClean="0"/>
-              <a:t>3/4/19 8:32 PM</a:t>
+              <a:t>6/5/19 4:29 PM</a:t>
             </a:fld>
             <a:endParaRPr lang="en-US" dirty="0"/>
           </a:p>
@@ -2614,7 +2614,7 @@
           <a:p>
             <a:fld id="{D18B56EA-E28F-4F92-9F16-7A6F2501B303}" type="datetime8">
               <a:rPr lang="en-US" smtClean="0"/>
-              <a:t>3/4/19 8:32 PM</a:t>
+              <a:t>6/5/19 4:29 PM</a:t>
             </a:fld>
             <a:endParaRPr lang="en-US" dirty="0"/>
           </a:p>
@@ -2900,7 +2900,7 @@
                 <a:tabLst/>
                 <a:defRPr/>
               </a:pPr>
-              <a:t>3/4/19 8:32 PM</a:t>
+              <a:t>6/5/19 4:29 PM</a:t>
             </a:fld>
             <a:endParaRPr kumimoji="0" lang="en-US" sz="1200" b="0" i="0" u="none" strike="noStrike" kern="1200" cap="none" spc="0" normalizeH="0" baseline="0" noProof="0" dirty="0">
               <a:ln>
@@ -3169,7 +3169,7 @@
           <a:p>
             <a:fld id="{D18B56EA-E28F-4F92-9F16-7A6F2501B303}" type="datetime8">
               <a:rPr lang="en-US" smtClean="0"/>
-              <a:t>3/4/19 8:32 PM</a:t>
+              <a:t>6/5/19 4:29 PM</a:t>
             </a:fld>
             <a:endParaRPr lang="en-US" dirty="0"/>
           </a:p>
@@ -3374,7 +3374,7 @@
           <a:p>
             <a:fld id="{D18B56EA-E28F-4F92-9F16-7A6F2501B303}" type="datetime8">
               <a:rPr lang="en-US" smtClean="0"/>
-              <a:t>3/4/19 8:32 PM</a:t>
+              <a:t>6/5/19 4:29 PM</a:t>
             </a:fld>
             <a:endParaRPr lang="en-US" dirty="0"/>
           </a:p>
@@ -3642,7 +3642,7 @@
           <a:p>
             <a:fld id="{D18B56EA-E28F-4F92-9F16-7A6F2501B303}" type="datetime8">
               <a:rPr lang="en-US" smtClean="0"/>
-              <a:t>3/4/19 8:32 PM</a:t>
+              <a:t>6/5/19 4:29 PM</a:t>
             </a:fld>
             <a:endParaRPr lang="en-US" dirty="0"/>
           </a:p>
@@ -3865,7 +3865,7 @@
           <a:p>
             <a:fld id="{D18B56EA-E28F-4F92-9F16-7A6F2501B303}" type="datetime8">
               <a:rPr lang="en-US" smtClean="0"/>
-              <a:t>3/4/19 8:32 PM</a:t>
+              <a:t>6/5/19 4:29 PM</a:t>
             </a:fld>
             <a:endParaRPr lang="en-US" dirty="0"/>
           </a:p>
@@ -4098,7 +4098,7 @@
           <a:p>
             <a:fld id="{D18B56EA-E28F-4F92-9F16-7A6F2501B303}" type="datetime8">
               <a:rPr lang="en-US" smtClean="0"/>
-              <a:t>3/4/19 8:32 PM</a:t>
+              <a:t>6/5/19 4:29 PM</a:t>
             </a:fld>
             <a:endParaRPr lang="en-US" dirty="0"/>
           </a:p>
@@ -4295,7 +4295,7 @@
           <a:p>
             <a:fld id="{D18B56EA-E28F-4F92-9F16-7A6F2501B303}" type="datetime8">
               <a:rPr lang="en-US" smtClean="0"/>
-              <a:t>3/4/19 8:32 PM</a:t>
+              <a:t>6/5/19 4:29 PM</a:t>
             </a:fld>
             <a:endParaRPr lang="en-US" dirty="0"/>
           </a:p>
@@ -4496,7 +4496,7 @@
           <a:p>
             <a:fld id="{D18B56EA-E28F-4F92-9F16-7A6F2501B303}" type="datetime8">
               <a:rPr lang="en-US" smtClean="0"/>
-              <a:t>3/4/19 8:32 PM</a:t>
+              <a:t>6/5/19 4:29 PM</a:t>
             </a:fld>
             <a:endParaRPr lang="en-US" dirty="0"/>
           </a:p>
@@ -14792,7 +14792,7 @@
       </a:lvl9pPr>
     </p:otherStyle>
   </p:txStyles>
-  <p:extLst mod="1">
+  <p:extLst>
     <p:ext uri="{27BBF7A9-308A-43DC-89C8-2F10F3537804}">
       <p15:sldGuideLst xmlns:p15="http://schemas.microsoft.com/office/powerpoint/2012/main">
         <p15:guide id="3" pos="1381" userDrawn="1">

--- a/OfficeAddin/05 Using modern JavaScript/02 Build an Office Add-in using Angular.pptx
+++ b/OfficeAddin/05 Using modern JavaScript/02 Build an Office Add-in using Angular.pptx
@@ -267,7 +267,7 @@
               <a:rPr lang="en-US" smtClean="0">
                 <a:latin typeface="Segoe UI" pitchFamily="34" charset="0"/>
               </a:rPr>
-              <a:t>6/5/19 4:29 PM</a:t>
+              <a:t>9/8/19 8:31 PM</a:t>
             </a:fld>
             <a:endParaRPr lang="en-US" dirty="0">
               <a:latin typeface="Segoe UI" pitchFamily="34" charset="0"/>
@@ -561,7 +561,7 @@
           <a:p>
             <a:fld id="{D18B56EA-E28F-4F92-9F16-7A6F2501B303}" type="datetime8">
               <a:rPr lang="en-US" smtClean="0"/>
-              <a:t>6/5/19 4:29 PM</a:t>
+              <a:t>9/8/19 8:30 PM</a:t>
             </a:fld>
             <a:endParaRPr lang="en-US" dirty="0"/>
           </a:p>
@@ -1049,7 +1049,7 @@
                 <a:tabLst/>
                 <a:defRPr/>
               </a:pPr>
-              <a:t>6/5/19 4:29 PM</a:t>
+              <a:t>9/8/19 8:30 PM</a:t>
             </a:fld>
             <a:endParaRPr kumimoji="0" lang="en-US" sz="1200" b="0" i="0" u="none" strike="noStrike" kern="1200" cap="none" spc="0" normalizeH="0" baseline="0" noProof="0" dirty="0">
               <a:ln>
@@ -2071,7 +2071,7 @@
           <a:p>
             <a:fld id="{D18B56EA-E28F-4F92-9F16-7A6F2501B303}" type="datetime8">
               <a:rPr lang="en-US" smtClean="0"/>
-              <a:t>6/5/19 4:29 PM</a:t>
+              <a:t>9/8/19 8:30 PM</a:t>
             </a:fld>
             <a:endParaRPr lang="en-US" dirty="0"/>
           </a:p>
@@ -2252,7 +2252,7 @@
           <a:p>
             <a:fld id="{D18B56EA-E28F-4F92-9F16-7A6F2501B303}" type="datetime8">
               <a:rPr lang="en-US" smtClean="0"/>
-              <a:t>6/5/19 4:29 PM</a:t>
+              <a:t>9/8/19 8:32 PM</a:t>
             </a:fld>
             <a:endParaRPr lang="en-US" dirty="0"/>
           </a:p>
@@ -2433,7 +2433,7 @@
           <a:p>
             <a:fld id="{D18B56EA-E28F-4F92-9F16-7A6F2501B303}" type="datetime8">
               <a:rPr lang="en-US" smtClean="0"/>
-              <a:t>6/5/19 4:29 PM</a:t>
+              <a:t>9/8/19 8:31 PM</a:t>
             </a:fld>
             <a:endParaRPr lang="en-US" dirty="0"/>
           </a:p>
@@ -2614,7 +2614,7 @@
           <a:p>
             <a:fld id="{D18B56EA-E28F-4F92-9F16-7A6F2501B303}" type="datetime8">
               <a:rPr lang="en-US" smtClean="0"/>
-              <a:t>6/5/19 4:29 PM</a:t>
+              <a:t>9/8/19 8:31 PM</a:t>
             </a:fld>
             <a:endParaRPr lang="en-US" dirty="0"/>
           </a:p>
@@ -2900,7 +2900,7 @@
                 <a:tabLst/>
                 <a:defRPr/>
               </a:pPr>
-              <a:t>6/5/19 4:29 PM</a:t>
+              <a:t>9/8/19 8:30 PM</a:t>
             </a:fld>
             <a:endParaRPr kumimoji="0" lang="en-US" sz="1200" b="0" i="0" u="none" strike="noStrike" kern="1200" cap="none" spc="0" normalizeH="0" baseline="0" noProof="0" dirty="0">
               <a:ln>
@@ -3169,7 +3169,7 @@
           <a:p>
             <a:fld id="{D18B56EA-E28F-4F92-9F16-7A6F2501B303}" type="datetime8">
               <a:rPr lang="en-US" smtClean="0"/>
-              <a:t>6/5/19 4:29 PM</a:t>
+              <a:t>9/8/19 8:30 PM</a:t>
             </a:fld>
             <a:endParaRPr lang="en-US" dirty="0"/>
           </a:p>
@@ -3374,7 +3374,7 @@
           <a:p>
             <a:fld id="{D18B56EA-E28F-4F92-9F16-7A6F2501B303}" type="datetime8">
               <a:rPr lang="en-US" smtClean="0"/>
-              <a:t>6/5/19 4:29 PM</a:t>
+              <a:t>9/8/19 8:30 PM</a:t>
             </a:fld>
             <a:endParaRPr lang="en-US" dirty="0"/>
           </a:p>
@@ -3642,7 +3642,7 @@
           <a:p>
             <a:fld id="{D18B56EA-E28F-4F92-9F16-7A6F2501B303}" type="datetime8">
               <a:rPr lang="en-US" smtClean="0"/>
-              <a:t>6/5/19 4:29 PM</a:t>
+              <a:t>9/8/19 8:30 PM</a:t>
             </a:fld>
             <a:endParaRPr lang="en-US" dirty="0"/>
           </a:p>
@@ -3865,7 +3865,7 @@
           <a:p>
             <a:fld id="{D18B56EA-E28F-4F92-9F16-7A6F2501B303}" type="datetime8">
               <a:rPr lang="en-US" smtClean="0"/>
-              <a:t>6/5/19 4:29 PM</a:t>
+              <a:t>9/8/19 8:30 PM</a:t>
             </a:fld>
             <a:endParaRPr lang="en-US" dirty="0"/>
           </a:p>
@@ -4098,7 +4098,7 @@
           <a:p>
             <a:fld id="{D18B56EA-E28F-4F92-9F16-7A6F2501B303}" type="datetime8">
               <a:rPr lang="en-US" smtClean="0"/>
-              <a:t>6/5/19 4:29 PM</a:t>
+              <a:t>9/8/19 8:30 PM</a:t>
             </a:fld>
             <a:endParaRPr lang="en-US" dirty="0"/>
           </a:p>
@@ -4295,7 +4295,7 @@
           <a:p>
             <a:fld id="{D18B56EA-E28F-4F92-9F16-7A6F2501B303}" type="datetime8">
               <a:rPr lang="en-US" smtClean="0"/>
-              <a:t>6/5/19 4:29 PM</a:t>
+              <a:t>9/8/19 8:30 PM</a:t>
             </a:fld>
             <a:endParaRPr lang="en-US" dirty="0"/>
           </a:p>
@@ -4496,7 +4496,7 @@
           <a:p>
             <a:fld id="{D18B56EA-E28F-4F92-9F16-7A6F2501B303}" type="datetime8">
               <a:rPr lang="en-US" smtClean="0"/>
-              <a:t>6/5/19 4:29 PM</a:t>
+              <a:t>9/8/19 8:30 PM</a:t>
             </a:fld>
             <a:endParaRPr lang="en-US" dirty="0"/>
           </a:p>
@@ -15729,7 +15729,7 @@
               <a:rPr lang="en-US" sz="1600" dirty="0">
                 <a:hlinkClick r:id="rId3"/>
               </a:rPr>
-              <a:t>https://dev.office.com/docs/add-ins/develop/add-ins-with-angular2</a:t>
+              <a:t>https://docs.microsoft.com/en-us/office/dev/add-ins/develop/add-ins-with-angular2</a:t>
             </a:r>
             <a:endParaRPr lang="en-US" sz="1600" dirty="0"/>
           </a:p>
@@ -15836,9 +15836,23 @@
               <a:rPr lang="en-US" sz="1600" dirty="0">
                 <a:hlinkClick r:id="rId5"/>
               </a:rPr>
-              <a:t>https://dev.office.com/docs/add-ins/develop/convert-javascript-to-typescript</a:t>
+              <a:t>https://docs.microsoft.com/en-us/office/dev/add-ins/develop/convert-javascript-to-typescript</a:t>
             </a:r>
             <a:endParaRPr lang="en-US" sz="1600" dirty="0"/>
+          </a:p>
+          <a:p>
+            <a:pPr marL="342900" lvl="0" indent="-342900" defTabSz="914400">
+              <a:lnSpc>
+                <a:spcPct val="100000"/>
+              </a:lnSpc>
+              <a:spcBef>
+                <a:spcPts val="0"/>
+              </a:spcBef>
+              <a:buSzTx/>
+            </a:pPr>
+            <a:endParaRPr lang="en-US" sz="1800" dirty="0">
+              <a:latin typeface="+mj-lt"/>
+            </a:endParaRPr>
           </a:p>
           <a:p>
             <a:pPr marL="342900" marR="0" lvl="0" indent="-342900" defTabSz="914400" eaLnBrk="1" fontAlgn="auto" latinLnBrk="0" hangingPunct="1">
@@ -15858,28 +15872,6 @@
               <a:tabLst/>
               <a:defRPr/>
             </a:pPr>
-            <a:endParaRPr lang="en-US" sz="1800" dirty="0">
-              <a:latin typeface="+mj-lt"/>
-            </a:endParaRPr>
-          </a:p>
-          <a:p>
-            <a:pPr marL="342900" marR="0" lvl="0" indent="-342900" defTabSz="914400" eaLnBrk="1" fontAlgn="auto" latinLnBrk="0" hangingPunct="1">
-              <a:lnSpc>
-                <a:spcPct val="100000"/>
-              </a:lnSpc>
-              <a:spcBef>
-                <a:spcPts val="0"/>
-              </a:spcBef>
-              <a:spcAft>
-                <a:spcPts val="0"/>
-              </a:spcAft>
-              <a:buClrTx/>
-              <a:buSzTx/>
-              <a:buFont typeface="Arial" charset="0"/>
-              <a:buNone/>
-              <a:tabLst/>
-              <a:defRPr/>
-            </a:pPr>
             <a:r>
               <a:rPr lang="en-US" sz="1800" dirty="0">
                 <a:latin typeface="+mj-lt"/>
@@ -15901,7 +15893,7 @@
               <a:rPr lang="en-US" sz="1600" dirty="0">
                 <a:hlinkClick r:id="rId6"/>
               </a:rPr>
-              <a:t>https://dev.office.com/docs/add-ins/testing/create-a-network-shared-folder-catalog-for-task-pane-and-content-add-ins</a:t>
+              <a:t>https://docs.microsoft.com/en-us/office/dev/add-ins/testing/create-a-network-shared-folder-catalog-for-task-pane-and-content-add-ins</a:t>
             </a:r>
             <a:endParaRPr lang="en-US" sz="1600" dirty="0"/>
           </a:p>
@@ -15950,20 +15942,14 @@
               <a:rPr lang="en-US" sz="1600" dirty="0">
                 <a:hlinkClick r:id="rId7"/>
               </a:rPr>
-              <a:t>https://dev.office.com/docs/add-ins/testing/sideload-office-add-ins-for-testing</a:t>
-            </a:r>
-            <a:endParaRPr lang="en-US" sz="1600" dirty="0"/>
-          </a:p>
-          <a:p>
-            <a:pPr marL="342900" lvl="0" indent="-342900" defTabSz="914400">
-              <a:lnSpc>
-                <a:spcPct val="100000"/>
-              </a:lnSpc>
-              <a:spcBef>
-                <a:spcPts val="0"/>
-              </a:spcBef>
-              <a:buSzTx/>
-            </a:pPr>
+              <a:t>https://docs.microsoft.com/en</a:t>
+            </a:r>
+            <a:r>
+              <a:rPr lang="en-US" sz="1600">
+                <a:hlinkClick r:id="rId7"/>
+              </a:rPr>
+              <a:t>-us/office/dev/add-ins/testing/sideload-office-add-ins-for-testing</a:t>
+            </a:r>
             <a:endParaRPr lang="en-US" sz="1800" dirty="0">
               <a:latin typeface="+mj-lt"/>
             </a:endParaRPr>

--- a/OfficeAddin/05 Using modern JavaScript/02 Build an Office Add-in using Angular.pptx
+++ b/OfficeAddin/05 Using modern JavaScript/02 Build an Office Add-in using Angular.pptx
@@ -267,7 +267,7 @@
               <a:rPr lang="en-US" smtClean="0">
                 <a:latin typeface="Segoe UI" pitchFamily="34" charset="0"/>
               </a:rPr>
-              <a:t>9/8/19 8:31 PM</a:t>
+              <a:t>3/4/20 9:05 PM</a:t>
             </a:fld>
             <a:endParaRPr lang="en-US" dirty="0">
               <a:latin typeface="Segoe UI" pitchFamily="34" charset="0"/>
@@ -561,7 +561,7 @@
           <a:p>
             <a:fld id="{D18B56EA-E28F-4F92-9F16-7A6F2501B303}" type="datetime8">
               <a:rPr lang="en-US" smtClean="0"/>
-              <a:t>9/8/19 8:30 PM</a:t>
+              <a:t>3/4/20 9:05 PM</a:t>
             </a:fld>
             <a:endParaRPr lang="en-US" dirty="0"/>
           </a:p>
@@ -1049,7 +1049,7 @@
                 <a:tabLst/>
                 <a:defRPr/>
               </a:pPr>
-              <a:t>9/8/19 8:30 PM</a:t>
+              <a:t>3/4/20 9:05 PM</a:t>
             </a:fld>
             <a:endParaRPr kumimoji="0" lang="en-US" sz="1200" b="0" i="0" u="none" strike="noStrike" kern="1200" cap="none" spc="0" normalizeH="0" baseline="0" noProof="0" dirty="0">
               <a:ln>
@@ -2071,7 +2071,7 @@
           <a:p>
             <a:fld id="{D18B56EA-E28F-4F92-9F16-7A6F2501B303}" type="datetime8">
               <a:rPr lang="en-US" smtClean="0"/>
-              <a:t>9/8/19 8:30 PM</a:t>
+              <a:t>3/4/20 9:05 PM</a:t>
             </a:fld>
             <a:endParaRPr lang="en-US" dirty="0"/>
           </a:p>
@@ -2252,7 +2252,7 @@
           <a:p>
             <a:fld id="{D18B56EA-E28F-4F92-9F16-7A6F2501B303}" type="datetime8">
               <a:rPr lang="en-US" smtClean="0"/>
-              <a:t>9/8/19 8:32 PM</a:t>
+              <a:t>3/4/20 9:05 PM</a:t>
             </a:fld>
             <a:endParaRPr lang="en-US" dirty="0"/>
           </a:p>
@@ -2433,7 +2433,7 @@
           <a:p>
             <a:fld id="{D18B56EA-E28F-4F92-9F16-7A6F2501B303}" type="datetime8">
               <a:rPr lang="en-US" smtClean="0"/>
-              <a:t>9/8/19 8:31 PM</a:t>
+              <a:t>3/4/20 9:05 PM</a:t>
             </a:fld>
             <a:endParaRPr lang="en-US" dirty="0"/>
           </a:p>
@@ -2614,7 +2614,7 @@
           <a:p>
             <a:fld id="{D18B56EA-E28F-4F92-9F16-7A6F2501B303}" type="datetime8">
               <a:rPr lang="en-US" smtClean="0"/>
-              <a:t>9/8/19 8:31 PM</a:t>
+              <a:t>3/4/20 9:05 PM</a:t>
             </a:fld>
             <a:endParaRPr lang="en-US" dirty="0"/>
           </a:p>
@@ -2900,7 +2900,7 @@
                 <a:tabLst/>
                 <a:defRPr/>
               </a:pPr>
-              <a:t>9/8/19 8:30 PM</a:t>
+              <a:t>3/4/20 9:05 PM</a:t>
             </a:fld>
             <a:endParaRPr kumimoji="0" lang="en-US" sz="1200" b="0" i="0" u="none" strike="noStrike" kern="1200" cap="none" spc="0" normalizeH="0" baseline="0" noProof="0" dirty="0">
               <a:ln>
@@ -3169,7 +3169,7 @@
           <a:p>
             <a:fld id="{D18B56EA-E28F-4F92-9F16-7A6F2501B303}" type="datetime8">
               <a:rPr lang="en-US" smtClean="0"/>
-              <a:t>9/8/19 8:30 PM</a:t>
+              <a:t>3/4/20 9:05 PM</a:t>
             </a:fld>
             <a:endParaRPr lang="en-US" dirty="0"/>
           </a:p>
@@ -3374,7 +3374,7 @@
           <a:p>
             <a:fld id="{D18B56EA-E28F-4F92-9F16-7A6F2501B303}" type="datetime8">
               <a:rPr lang="en-US" smtClean="0"/>
-              <a:t>9/8/19 8:30 PM</a:t>
+              <a:t>3/4/20 9:05 PM</a:t>
             </a:fld>
             <a:endParaRPr lang="en-US" dirty="0"/>
           </a:p>
@@ -3642,7 +3642,7 @@
           <a:p>
             <a:fld id="{D18B56EA-E28F-4F92-9F16-7A6F2501B303}" type="datetime8">
               <a:rPr lang="en-US" smtClean="0"/>
-              <a:t>9/8/19 8:30 PM</a:t>
+              <a:t>3/4/20 9:05 PM</a:t>
             </a:fld>
             <a:endParaRPr lang="en-US" dirty="0"/>
           </a:p>
@@ -3865,7 +3865,7 @@
           <a:p>
             <a:fld id="{D18B56EA-E28F-4F92-9F16-7A6F2501B303}" type="datetime8">
               <a:rPr lang="en-US" smtClean="0"/>
-              <a:t>9/8/19 8:30 PM</a:t>
+              <a:t>3/4/20 9:05 PM</a:t>
             </a:fld>
             <a:endParaRPr lang="en-US" dirty="0"/>
           </a:p>
@@ -4098,7 +4098,7 @@
           <a:p>
             <a:fld id="{D18B56EA-E28F-4F92-9F16-7A6F2501B303}" type="datetime8">
               <a:rPr lang="en-US" smtClean="0"/>
-              <a:t>9/8/19 8:30 PM</a:t>
+              <a:t>3/4/20 9:05 PM</a:t>
             </a:fld>
             <a:endParaRPr lang="en-US" dirty="0"/>
           </a:p>
@@ -4295,7 +4295,7 @@
           <a:p>
             <a:fld id="{D18B56EA-E28F-4F92-9F16-7A6F2501B303}" type="datetime8">
               <a:rPr lang="en-US" smtClean="0"/>
-              <a:t>9/8/19 8:30 PM</a:t>
+              <a:t>3/4/20 9:05 PM</a:t>
             </a:fld>
             <a:endParaRPr lang="en-US" dirty="0"/>
           </a:p>
@@ -4496,7 +4496,7 @@
           <a:p>
             <a:fld id="{D18B56EA-E28F-4F92-9F16-7A6F2501B303}" type="datetime8">
               <a:rPr lang="en-US" smtClean="0"/>
-              <a:t>9/8/19 8:30 PM</a:t>
+              <a:t>3/4/20 9:05 PM</a:t>
             </a:fld>
             <a:endParaRPr lang="en-US" dirty="0"/>
           </a:p>
@@ -15029,7 +15029,7 @@
           <a:p>
             <a:r>
               <a:rPr lang="en-US" dirty="0"/>
-              <a:t>Build an Office add-in using Angular</a:t>
+              <a:t>Build an Office add-in using Angular </a:t>
             </a:r>
             <a:r>
               <a:rPr lang="en-US" dirty="0">
@@ -15942,13 +15942,7 @@
               <a:rPr lang="en-US" sz="1600" dirty="0">
                 <a:hlinkClick r:id="rId7"/>
               </a:rPr>
-              <a:t>https://docs.microsoft.com/en</a:t>
-            </a:r>
-            <a:r>
-              <a:rPr lang="en-US" sz="1600">
-                <a:hlinkClick r:id="rId7"/>
-              </a:rPr>
-              <a:t>-us/office/dev/add-ins/testing/sideload-office-add-ins-for-testing</a:t>
+              <a:t>https://docs.microsoft.com/en-us/office/dev/add-ins/testing/sideload-office-add-ins-for-testing</a:t>
             </a:r>
             <a:endParaRPr lang="en-US" sz="1800" dirty="0">
               <a:latin typeface="+mj-lt"/>
